--- a/Project Documents/Presentation/MediaBazzarWebPresentation.pptx
+++ b/Project Documents/Presentation/MediaBazzarWebPresentation.pptx
@@ -4970,7 +4970,7 @@
             <a:rPr lang="en-GB" dirty="0">
               <a:latin typeface="Univers Condensed"/>
             </a:rPr>
-            <a:t>We learnt how to structure our work better and how-to priorities on features to be implement.</a:t>
+            <a:t>We learnt how to structure our work better and how to set priorities on features to be implemented.</a:t>
           </a:r>
         </a:p>
       </dgm:t>
@@ -5009,7 +5009,7 @@
             <a:rPr lang="en-GB" dirty="0">
               <a:latin typeface="Univers Condensed" panose="020F0302020204030204"/>
             </a:rPr>
-            <a:t>We gained more experience with GIT. Using it to individually implemented features.</a:t>
+            <a:t>We gained more experience with GIT. Using it to merge individually implemented features.</a:t>
           </a:r>
         </a:p>
       </dgm:t>
@@ -7945,7 +7945,7 @@
             <a:rPr lang="en-GB" sz="3100" kern="1200" dirty="0">
               <a:latin typeface="Univers Condensed"/>
             </a:rPr>
-            <a:t>We learnt how to structure our work better and how-to priorities on features to be implement.</a:t>
+            <a:t>We learnt how to structure our work better and how to set priorities on features to be implemented.</a:t>
           </a:r>
         </a:p>
       </dsp:txBody>
@@ -8071,7 +8071,7 @@
             <a:rPr lang="en-GB" sz="3100" kern="1200" dirty="0">
               <a:latin typeface="Univers Condensed" panose="020F0302020204030204"/>
             </a:rPr>
-            <a:t>We gained more experience with GIT. Using it to individually implemented features.</a:t>
+            <a:t>We gained more experience with GIT. Using it to merge individually implemented features.</a:t>
           </a:r>
         </a:p>
       </dsp:txBody>
@@ -14613,7 +14613,7 @@
           <a:p>
             <a:fld id="{9184DA70-C731-4C70-880D-CCD4705E623C}" type="datetime1">
               <a:rPr lang="en-US" smtClean="0"/>
-              <a:t>11/26/2020</a:t>
+              <a:t>11/27/2020</a:t>
             </a:fld>
             <a:endParaRPr lang="en-US"/>
           </a:p>
@@ -14799,7 +14799,7 @@
           <a:p>
             <a:fld id="{B612A279-0833-481D-8C56-F67FD0AC6C50}" type="datetime1">
               <a:rPr lang="en-US" smtClean="0"/>
-              <a:t>11/26/2020</a:t>
+              <a:t>11/27/2020</a:t>
             </a:fld>
             <a:endParaRPr lang="en-US"/>
           </a:p>
@@ -15039,7 +15039,7 @@
           <a:p>
             <a:fld id="{6587DA83-5663-4C9C-B9AA-0B40A3DAFF81}" type="datetime1">
               <a:rPr lang="en-US" smtClean="0"/>
-              <a:t>11/26/2020</a:t>
+              <a:t>11/27/2020</a:t>
             </a:fld>
             <a:endParaRPr lang="en-US"/>
           </a:p>
@@ -15225,7 +15225,7 @@
           <a:p>
             <a:fld id="{4BE1D723-8F53-4F53-90B0-1982A396982E}" type="datetime1">
               <a:rPr lang="en-US" smtClean="0"/>
-              <a:t>11/26/2020</a:t>
+              <a:t>11/27/2020</a:t>
             </a:fld>
             <a:endParaRPr lang="en-US"/>
           </a:p>
@@ -15597,7 +15597,7 @@
           <a:p>
             <a:fld id="{97669AF7-7BEB-44E4-9852-375E34362B5B}" type="datetime1">
               <a:rPr lang="en-US" smtClean="0"/>
-              <a:t>11/26/2020</a:t>
+              <a:t>11/27/2020</a:t>
             </a:fld>
             <a:endParaRPr lang="en-US"/>
           </a:p>
@@ -15849,7 +15849,7 @@
           <a:p>
             <a:fld id="{BAAAC38D-0552-4C82-B593-E6124DFADBE2}" type="datetime1">
               <a:rPr lang="en-US" smtClean="0"/>
-              <a:t>11/26/2020</a:t>
+              <a:t>11/27/2020</a:t>
             </a:fld>
             <a:endParaRPr lang="en-US"/>
           </a:p>
@@ -16243,7 +16243,7 @@
           <a:p>
             <a:fld id="{D9DF0F1C-5577-4ACB-BB62-DF8F3C494C7E}" type="datetime1">
               <a:rPr lang="en-US" smtClean="0"/>
-              <a:t>11/26/2020</a:t>
+              <a:t>11/27/2020</a:t>
             </a:fld>
             <a:endParaRPr lang="en-US"/>
           </a:p>
@@ -16378,7 +16378,7 @@
           <a:p>
             <a:fld id="{1775B394-D9F9-4F0C-B15D-605F45CB9E9F}" type="datetime1">
               <a:rPr lang="en-US" smtClean="0"/>
-              <a:t>11/26/2020</a:t>
+              <a:t>11/27/2020</a:t>
             </a:fld>
             <a:endParaRPr lang="en-US"/>
           </a:p>
@@ -16535,7 +16535,7 @@
           <a:p>
             <a:fld id="{39667345-2558-425A-8533-9BFDBCE15005}" type="datetime1">
               <a:rPr lang="en-US" smtClean="0"/>
-              <a:t>11/26/2020</a:t>
+              <a:t>11/27/2020</a:t>
             </a:fld>
             <a:endParaRPr lang="en-US"/>
           </a:p>
@@ -16862,7 +16862,7 @@
           <a:p>
             <a:fld id="{92BEA474-078D-4E9B-9B14-09A87B19DC46}" type="datetime1">
               <a:rPr lang="en-US" smtClean="0"/>
-              <a:t>11/26/2020</a:t>
+              <a:t>11/27/2020</a:t>
             </a:fld>
             <a:endParaRPr lang="en-US"/>
           </a:p>
@@ -17210,7 +17210,7 @@
           <a:p>
             <a:fld id="{4907D986-8816-4272-A432-0437A28A9828}" type="datetime1">
               <a:rPr lang="en-US" smtClean="0"/>
-              <a:t>11/26/2020</a:t>
+              <a:t>11/27/2020</a:t>
             </a:fld>
             <a:endParaRPr lang="en-US"/>
           </a:p>
@@ -17469,7 +17469,7 @@
           <a:p>
             <a:fld id="{62D6E202-B606-4609-B914-27C9371A1F6D}" type="datetime1">
               <a:rPr lang="en-US" smtClean="0"/>
-              <a:t>11/26/2020</a:t>
+              <a:t>11/27/2020</a:t>
             </a:fld>
             <a:endParaRPr lang="en-US"/>
           </a:p>
@@ -18563,27 +18563,13 @@
           <a:lstStyle/>
           <a:p>
             <a:r>
-              <a:rPr lang="en-US">
+              <a:rPr lang="en-US" dirty="0">
                 <a:ea typeface="+mn-lt"/>
                 <a:cs typeface="+mn-lt"/>
               </a:rPr>
-              <a:t>Media </a:t>
+              <a:t>Media Bazaar Website</a:t>
             </a:r>
-            <a:r>
-              <a:rPr lang="en-US" err="1">
-                <a:ea typeface="+mn-lt"/>
-                <a:cs typeface="+mn-lt"/>
-              </a:rPr>
-              <a:t>Bazzar</a:t>
-            </a:r>
-            <a:r>
-              <a:rPr lang="en-US">
-                <a:ea typeface="+mn-lt"/>
-                <a:cs typeface="+mn-lt"/>
-              </a:rPr>
-              <a:t> Website</a:t>
-            </a:r>
-            <a:endParaRPr lang="en-GB">
+            <a:endParaRPr lang="en-GB" dirty="0">
               <a:ea typeface="+mn-lt"/>
               <a:cs typeface="+mn-lt"/>
             </a:endParaRPr>
@@ -19568,7 +19554,7 @@
           <p:nvPr>
             <p:extLst>
               <p:ext uri="{D42A27DB-BD31-4B8C-83A1-F6EECF244321}">
-                <p14:modId xmlns:p14="http://schemas.microsoft.com/office/powerpoint/2010/main" val="2019180099"/>
+                <p14:modId xmlns:p14="http://schemas.microsoft.com/office/powerpoint/2010/main" val="300331829"/>
               </p:ext>
             </p:extLst>
           </p:nvPr>
